--- a/images/medium.pptx
+++ b/images/medium.pptx
@@ -7,6 +7,9 @@
   <p:sldIdLst>
     <p:sldId id="256" r:id="rId2"/>
     <p:sldId id="257" r:id="rId3"/>
+    <p:sldId id="258" r:id="rId4"/>
+    <p:sldId id="259" r:id="rId5"/>
+    <p:sldId id="260" r:id="rId6"/>
   </p:sldIdLst>
   <p:sldSz cx="12192000" cy="6858000"/>
   <p:notesSz cx="6858000" cy="9144000"/>
@@ -105,6 +108,11 @@
       </a:defRPr>
     </a:lvl9pPr>
   </p:defaultTextStyle>
+  <p:extLst>
+    <p:ext uri="{EFAFB233-063F-42B5-8137-9DF3F51BA10A}">
+      <p15:sldGuideLst xmlns:p15="http://schemas.microsoft.com/office/powerpoint/2012/main"/>
+    </p:ext>
+  </p:extLst>
 </p:presentation>
 </file>
 
@@ -255,7 +263,7 @@
           <a:p>
             <a:fld id="{F7BBE738-1927-BD43-955A-8B8D67454AD0}" type="datetimeFigureOut">
               <a:rPr lang="en-US" smtClean="0"/>
-              <a:t>2/26/21</a:t>
+              <a:t>3/1/21</a:t>
             </a:fld>
             <a:endParaRPr lang="en-US"/>
           </a:p>
@@ -453,7 +461,7 @@
           <a:p>
             <a:fld id="{F7BBE738-1927-BD43-955A-8B8D67454AD0}" type="datetimeFigureOut">
               <a:rPr lang="en-US" smtClean="0"/>
-              <a:t>2/26/21</a:t>
+              <a:t>3/1/21</a:t>
             </a:fld>
             <a:endParaRPr lang="en-US"/>
           </a:p>
@@ -661,7 +669,7 @@
           <a:p>
             <a:fld id="{F7BBE738-1927-BD43-955A-8B8D67454AD0}" type="datetimeFigureOut">
               <a:rPr lang="en-US" smtClean="0"/>
-              <a:t>2/26/21</a:t>
+              <a:t>3/1/21</a:t>
             </a:fld>
             <a:endParaRPr lang="en-US"/>
           </a:p>
@@ -859,7 +867,7 @@
           <a:p>
             <a:fld id="{F7BBE738-1927-BD43-955A-8B8D67454AD0}" type="datetimeFigureOut">
               <a:rPr lang="en-US" smtClean="0"/>
-              <a:t>2/26/21</a:t>
+              <a:t>3/1/21</a:t>
             </a:fld>
             <a:endParaRPr lang="en-US"/>
           </a:p>
@@ -1134,7 +1142,7 @@
           <a:p>
             <a:fld id="{F7BBE738-1927-BD43-955A-8B8D67454AD0}" type="datetimeFigureOut">
               <a:rPr lang="en-US" smtClean="0"/>
-              <a:t>2/26/21</a:t>
+              <a:t>3/1/21</a:t>
             </a:fld>
             <a:endParaRPr lang="en-US"/>
           </a:p>
@@ -1399,7 +1407,7 @@
           <a:p>
             <a:fld id="{F7BBE738-1927-BD43-955A-8B8D67454AD0}" type="datetimeFigureOut">
               <a:rPr lang="en-US" smtClean="0"/>
-              <a:t>2/26/21</a:t>
+              <a:t>3/1/21</a:t>
             </a:fld>
             <a:endParaRPr lang="en-US"/>
           </a:p>
@@ -1811,7 +1819,7 @@
           <a:p>
             <a:fld id="{F7BBE738-1927-BD43-955A-8B8D67454AD0}" type="datetimeFigureOut">
               <a:rPr lang="en-US" smtClean="0"/>
-              <a:t>2/26/21</a:t>
+              <a:t>3/1/21</a:t>
             </a:fld>
             <a:endParaRPr lang="en-US"/>
           </a:p>
@@ -1952,7 +1960,7 @@
           <a:p>
             <a:fld id="{F7BBE738-1927-BD43-955A-8B8D67454AD0}" type="datetimeFigureOut">
               <a:rPr lang="en-US" smtClean="0"/>
-              <a:t>2/26/21</a:t>
+              <a:t>3/1/21</a:t>
             </a:fld>
             <a:endParaRPr lang="en-US"/>
           </a:p>
@@ -2065,7 +2073,7 @@
           <a:p>
             <a:fld id="{F7BBE738-1927-BD43-955A-8B8D67454AD0}" type="datetimeFigureOut">
               <a:rPr lang="en-US" smtClean="0"/>
-              <a:t>2/26/21</a:t>
+              <a:t>3/1/21</a:t>
             </a:fld>
             <a:endParaRPr lang="en-US"/>
           </a:p>
@@ -2376,7 +2384,7 @@
           <a:p>
             <a:fld id="{F7BBE738-1927-BD43-955A-8B8D67454AD0}" type="datetimeFigureOut">
               <a:rPr lang="en-US" smtClean="0"/>
-              <a:t>2/26/21</a:t>
+              <a:t>3/1/21</a:t>
             </a:fld>
             <a:endParaRPr lang="en-US"/>
           </a:p>
@@ -2664,7 +2672,7 @@
           <a:p>
             <a:fld id="{F7BBE738-1927-BD43-955A-8B8D67454AD0}" type="datetimeFigureOut">
               <a:rPr lang="en-US" smtClean="0"/>
-              <a:t>2/26/21</a:t>
+              <a:t>3/1/21</a:t>
             </a:fld>
             <a:endParaRPr lang="en-US"/>
           </a:p>
@@ -2905,7 +2913,7 @@
           <a:p>
             <a:fld id="{F7BBE738-1927-BD43-955A-8B8D67454AD0}" type="datetimeFigureOut">
               <a:rPr lang="en-US" smtClean="0"/>
-              <a:t>2/26/21</a:t>
+              <a:t>3/1/21</a:t>
             </a:fld>
             <a:endParaRPr lang="en-US"/>
           </a:p>
@@ -3935,6 +3943,1692 @@
 </p:sld>
 </file>
 
+<file path=ppt/slides/slide3.xml><?xml version="1.0" encoding="utf-8"?>
+<p:sld xmlns:a="http://schemas.openxmlformats.org/drawingml/2006/main" xmlns:r="http://schemas.openxmlformats.org/officeDocument/2006/relationships" xmlns:p="http://schemas.openxmlformats.org/presentationml/2006/main">
+  <p:cSld>
+    <p:spTree>
+      <p:nvGrpSpPr>
+        <p:cNvPr id="1" name=""/>
+        <p:cNvGrpSpPr/>
+        <p:nvPr/>
+      </p:nvGrpSpPr>
+      <p:grpSpPr>
+        <a:xfrm>
+          <a:off x="0" y="0"/>
+          <a:ext cx="0" cy="0"/>
+          <a:chOff x="0" y="0"/>
+          <a:chExt cx="0" cy="0"/>
+        </a:xfrm>
+      </p:grpSpPr>
+      <p:sp>
+        <p:nvSpPr>
+          <p:cNvPr id="4" name="Rectangle 3">
+            <a:extLst>
+              <a:ext uri="{FF2B5EF4-FFF2-40B4-BE49-F238E27FC236}">
+                <a16:creationId xmlns:a16="http://schemas.microsoft.com/office/drawing/2014/main" id="{C0E93CAD-4BA9-824A-B741-4D7D0A1A0F6A}"/>
+              </a:ext>
+            </a:extLst>
+          </p:cNvPr>
+          <p:cNvSpPr/>
+          <p:nvPr/>
+        </p:nvSpPr>
+        <p:spPr>
+          <a:xfrm>
+            <a:off x="2993743" y="2273218"/>
+            <a:ext cx="2286000" cy="1345324"/>
+          </a:xfrm>
+          <a:prstGeom prst="rect">
+            <a:avLst/>
+          </a:prstGeom>
+        </p:spPr>
+        <p:style>
+          <a:lnRef idx="2">
+            <a:schemeClr val="accent1">
+              <a:shade val="50000"/>
+            </a:schemeClr>
+          </a:lnRef>
+          <a:fillRef idx="1">
+            <a:schemeClr val="accent1"/>
+          </a:fillRef>
+          <a:effectRef idx="0">
+            <a:schemeClr val="accent1"/>
+          </a:effectRef>
+          <a:fontRef idx="minor">
+            <a:schemeClr val="lt1"/>
+          </a:fontRef>
+        </p:style>
+        <p:txBody>
+          <a:bodyPr rtlCol="0" anchor="t"/>
+          <a:lstStyle/>
+          <a:p>
+            <a:r>
+              <a:rPr lang="en-US" dirty="0"/>
+              <a:t>Master Node</a:t>
+            </a:r>
+          </a:p>
+          <a:p>
+            <a:endParaRPr lang="en-US" dirty="0"/>
+          </a:p>
+        </p:txBody>
+      </p:sp>
+      <p:sp>
+        <p:nvSpPr>
+          <p:cNvPr id="5" name="Rectangle 4">
+            <a:extLst>
+              <a:ext uri="{FF2B5EF4-FFF2-40B4-BE49-F238E27FC236}">
+                <a16:creationId xmlns:a16="http://schemas.microsoft.com/office/drawing/2014/main" id="{DE7AFE70-E79B-E24D-9BEC-799EE189D6B1}"/>
+              </a:ext>
+            </a:extLst>
+          </p:cNvPr>
+          <p:cNvSpPr/>
+          <p:nvPr/>
+        </p:nvSpPr>
+        <p:spPr>
+          <a:xfrm>
+            <a:off x="377966" y="4878336"/>
+            <a:ext cx="2286000" cy="1345324"/>
+          </a:xfrm>
+          <a:prstGeom prst="rect">
+            <a:avLst/>
+          </a:prstGeom>
+        </p:spPr>
+        <p:style>
+          <a:lnRef idx="2">
+            <a:schemeClr val="accent1">
+              <a:shade val="50000"/>
+            </a:schemeClr>
+          </a:lnRef>
+          <a:fillRef idx="1">
+            <a:schemeClr val="accent1"/>
+          </a:fillRef>
+          <a:effectRef idx="0">
+            <a:schemeClr val="accent1"/>
+          </a:effectRef>
+          <a:fontRef idx="minor">
+            <a:schemeClr val="lt1"/>
+          </a:fontRef>
+        </p:style>
+        <p:txBody>
+          <a:bodyPr rtlCol="0" anchor="t"/>
+          <a:lstStyle/>
+          <a:p>
+            <a:r>
+              <a:rPr lang="en-US" dirty="0"/>
+              <a:t>Worker Node</a:t>
+            </a:r>
+          </a:p>
+        </p:txBody>
+      </p:sp>
+      <p:sp>
+        <p:nvSpPr>
+          <p:cNvPr id="6" name="Rectangle 5">
+            <a:extLst>
+              <a:ext uri="{FF2B5EF4-FFF2-40B4-BE49-F238E27FC236}">
+                <a16:creationId xmlns:a16="http://schemas.microsoft.com/office/drawing/2014/main" id="{817A0415-EC5B-324B-9023-5F0D3835DB4B}"/>
+              </a:ext>
+            </a:extLst>
+          </p:cNvPr>
+          <p:cNvSpPr/>
+          <p:nvPr/>
+        </p:nvSpPr>
+        <p:spPr>
+          <a:xfrm>
+            <a:off x="5614087" y="4878336"/>
+            <a:ext cx="2286000" cy="1345324"/>
+          </a:xfrm>
+          <a:prstGeom prst="rect">
+            <a:avLst/>
+          </a:prstGeom>
+        </p:spPr>
+        <p:style>
+          <a:lnRef idx="2">
+            <a:schemeClr val="accent1">
+              <a:shade val="50000"/>
+            </a:schemeClr>
+          </a:lnRef>
+          <a:fillRef idx="1">
+            <a:schemeClr val="accent1"/>
+          </a:fillRef>
+          <a:effectRef idx="0">
+            <a:schemeClr val="accent1"/>
+          </a:effectRef>
+          <a:fontRef idx="minor">
+            <a:schemeClr val="lt1"/>
+          </a:fontRef>
+        </p:style>
+        <p:txBody>
+          <a:bodyPr rtlCol="0" anchor="t"/>
+          <a:lstStyle/>
+          <a:p>
+            <a:r>
+              <a:rPr lang="en-US" dirty="0"/>
+              <a:t>Worker Node</a:t>
+            </a:r>
+          </a:p>
+        </p:txBody>
+      </p:sp>
+      <p:sp>
+        <p:nvSpPr>
+          <p:cNvPr id="7" name="Oval 6">
+            <a:extLst>
+              <a:ext uri="{FF2B5EF4-FFF2-40B4-BE49-F238E27FC236}">
+                <a16:creationId xmlns:a16="http://schemas.microsoft.com/office/drawing/2014/main" id="{6081C217-C99A-E844-8D4C-2BB67E478330}"/>
+              </a:ext>
+            </a:extLst>
+          </p:cNvPr>
+          <p:cNvSpPr/>
+          <p:nvPr/>
+        </p:nvSpPr>
+        <p:spPr>
+          <a:xfrm>
+            <a:off x="3449895" y="4539515"/>
+            <a:ext cx="1371600" cy="914400"/>
+          </a:xfrm>
+          <a:prstGeom prst="ellipse">
+            <a:avLst/>
+          </a:prstGeom>
+        </p:spPr>
+        <p:style>
+          <a:lnRef idx="2">
+            <a:schemeClr val="accent1">
+              <a:shade val="50000"/>
+            </a:schemeClr>
+          </a:lnRef>
+          <a:fillRef idx="1">
+            <a:schemeClr val="accent1"/>
+          </a:fillRef>
+          <a:effectRef idx="0">
+            <a:schemeClr val="accent1"/>
+          </a:effectRef>
+          <a:fontRef idx="minor">
+            <a:schemeClr val="lt1"/>
+          </a:fontRef>
+        </p:style>
+        <p:txBody>
+          <a:bodyPr rtlCol="0" anchor="ctr"/>
+          <a:lstStyle/>
+          <a:p>
+            <a:pPr algn="ctr"/>
+            <a:r>
+              <a:rPr lang="en-US" sz="1600" dirty="0"/>
+              <a:t>Cluster Manager</a:t>
+            </a:r>
+          </a:p>
+        </p:txBody>
+      </p:sp>
+      <p:cxnSp>
+        <p:nvCxnSpPr>
+          <p:cNvPr id="9" name="Curved Connector 8">
+            <a:extLst>
+              <a:ext uri="{FF2B5EF4-FFF2-40B4-BE49-F238E27FC236}">
+                <a16:creationId xmlns:a16="http://schemas.microsoft.com/office/drawing/2014/main" id="{4AB42F24-5DF2-5B4F-B6AB-30BD514666D9}"/>
+              </a:ext>
+            </a:extLst>
+          </p:cNvPr>
+          <p:cNvCxnSpPr>
+            <a:cxnSpLocks/>
+            <a:stCxn id="4" idx="1"/>
+            <a:endCxn id="5" idx="0"/>
+          </p:cNvCxnSpPr>
+          <p:nvPr/>
+        </p:nvCxnSpPr>
+        <p:spPr>
+          <a:xfrm rot="10800000" flipV="1">
+            <a:off x="1520967" y="2945880"/>
+            <a:ext cx="1472777" cy="1932456"/>
+          </a:xfrm>
+          <a:prstGeom prst="curvedConnector2">
+            <a:avLst/>
+          </a:prstGeom>
+          <a:ln w="38100">
+            <a:headEnd type="triangle" w="med" len="med"/>
+            <a:tailEnd type="triangle" w="med" len="med"/>
+          </a:ln>
+        </p:spPr>
+        <p:style>
+          <a:lnRef idx="1">
+            <a:schemeClr val="accent1"/>
+          </a:lnRef>
+          <a:fillRef idx="0">
+            <a:schemeClr val="accent1"/>
+          </a:fillRef>
+          <a:effectRef idx="0">
+            <a:schemeClr val="accent1"/>
+          </a:effectRef>
+          <a:fontRef idx="minor">
+            <a:schemeClr val="tx1"/>
+          </a:fontRef>
+        </p:style>
+      </p:cxnSp>
+      <p:cxnSp>
+        <p:nvCxnSpPr>
+          <p:cNvPr id="14" name="Curved Connector 13">
+            <a:extLst>
+              <a:ext uri="{FF2B5EF4-FFF2-40B4-BE49-F238E27FC236}">
+                <a16:creationId xmlns:a16="http://schemas.microsoft.com/office/drawing/2014/main" id="{319A9446-165C-C14A-99BD-673CACF954B9}"/>
+              </a:ext>
+            </a:extLst>
+          </p:cNvPr>
+          <p:cNvCxnSpPr>
+            <a:cxnSpLocks/>
+            <a:stCxn id="4" idx="3"/>
+            <a:endCxn id="6" idx="0"/>
+          </p:cNvCxnSpPr>
+          <p:nvPr/>
+        </p:nvCxnSpPr>
+        <p:spPr>
+          <a:xfrm>
+            <a:off x="5279743" y="2945880"/>
+            <a:ext cx="1477344" cy="1932456"/>
+          </a:xfrm>
+          <a:prstGeom prst="curvedConnector2">
+            <a:avLst/>
+          </a:prstGeom>
+          <a:ln w="38100">
+            <a:headEnd type="triangle" w="med" len="med"/>
+            <a:tailEnd type="triangle" w="med" len="med"/>
+          </a:ln>
+        </p:spPr>
+        <p:style>
+          <a:lnRef idx="1">
+            <a:schemeClr val="accent1"/>
+          </a:lnRef>
+          <a:fillRef idx="0">
+            <a:schemeClr val="accent1"/>
+          </a:fillRef>
+          <a:effectRef idx="0">
+            <a:schemeClr val="accent1"/>
+          </a:effectRef>
+          <a:fontRef idx="minor">
+            <a:schemeClr val="tx1"/>
+          </a:fontRef>
+        </p:style>
+      </p:cxnSp>
+      <p:cxnSp>
+        <p:nvCxnSpPr>
+          <p:cNvPr id="42" name="Straight Arrow Connector 41">
+            <a:extLst>
+              <a:ext uri="{FF2B5EF4-FFF2-40B4-BE49-F238E27FC236}">
+                <a16:creationId xmlns:a16="http://schemas.microsoft.com/office/drawing/2014/main" id="{F3F1650C-E182-FF4E-884F-B7AD7F99CDDD}"/>
+              </a:ext>
+            </a:extLst>
+          </p:cNvPr>
+          <p:cNvCxnSpPr>
+            <a:stCxn id="4" idx="2"/>
+            <a:endCxn id="7" idx="0"/>
+          </p:cNvCxnSpPr>
+          <p:nvPr/>
+        </p:nvCxnSpPr>
+        <p:spPr>
+          <a:xfrm flipH="1">
+            <a:off x="4135695" y="3618542"/>
+            <a:ext cx="1048" cy="920973"/>
+          </a:xfrm>
+          <a:prstGeom prst="straightConnector1">
+            <a:avLst/>
+          </a:prstGeom>
+          <a:ln w="76200">
+            <a:solidFill>
+              <a:schemeClr val="accent1">
+                <a:lumMod val="40000"/>
+                <a:lumOff val="60000"/>
+              </a:schemeClr>
+            </a:solidFill>
+            <a:prstDash val="sysDash"/>
+            <a:headEnd type="triangle" w="med" len="med"/>
+            <a:tailEnd type="triangle" w="med" len="med"/>
+          </a:ln>
+        </p:spPr>
+        <p:style>
+          <a:lnRef idx="1">
+            <a:schemeClr val="accent1"/>
+          </a:lnRef>
+          <a:fillRef idx="0">
+            <a:schemeClr val="accent1"/>
+          </a:fillRef>
+          <a:effectRef idx="0">
+            <a:schemeClr val="accent1"/>
+          </a:effectRef>
+          <a:fontRef idx="minor">
+            <a:schemeClr val="tx1"/>
+          </a:fontRef>
+        </p:style>
+      </p:cxnSp>
+      <p:cxnSp>
+        <p:nvCxnSpPr>
+          <p:cNvPr id="43" name="Straight Arrow Connector 42">
+            <a:extLst>
+              <a:ext uri="{FF2B5EF4-FFF2-40B4-BE49-F238E27FC236}">
+                <a16:creationId xmlns:a16="http://schemas.microsoft.com/office/drawing/2014/main" id="{54BB789C-3499-B943-9884-33EBC1155989}"/>
+              </a:ext>
+            </a:extLst>
+          </p:cNvPr>
+          <p:cNvCxnSpPr>
+            <a:cxnSpLocks/>
+            <a:stCxn id="7" idx="3"/>
+            <a:endCxn id="5" idx="3"/>
+          </p:cNvCxnSpPr>
+          <p:nvPr/>
+        </p:nvCxnSpPr>
+        <p:spPr>
+          <a:xfrm flipH="1">
+            <a:off x="2663966" y="5320004"/>
+            <a:ext cx="986795" cy="230994"/>
+          </a:xfrm>
+          <a:prstGeom prst="straightConnector1">
+            <a:avLst/>
+          </a:prstGeom>
+          <a:ln w="76200">
+            <a:solidFill>
+              <a:schemeClr val="accent1">
+                <a:lumMod val="40000"/>
+                <a:lumOff val="60000"/>
+              </a:schemeClr>
+            </a:solidFill>
+            <a:prstDash val="sysDash"/>
+            <a:headEnd type="triangle" w="med" len="med"/>
+            <a:tailEnd type="triangle" w="med" len="med"/>
+          </a:ln>
+        </p:spPr>
+        <p:style>
+          <a:lnRef idx="1">
+            <a:schemeClr val="accent1"/>
+          </a:lnRef>
+          <a:fillRef idx="0">
+            <a:schemeClr val="accent1"/>
+          </a:fillRef>
+          <a:effectRef idx="0">
+            <a:schemeClr val="accent1"/>
+          </a:effectRef>
+          <a:fontRef idx="minor">
+            <a:schemeClr val="tx1"/>
+          </a:fontRef>
+        </p:style>
+      </p:cxnSp>
+      <p:cxnSp>
+        <p:nvCxnSpPr>
+          <p:cNvPr id="48" name="Straight Arrow Connector 47">
+            <a:extLst>
+              <a:ext uri="{FF2B5EF4-FFF2-40B4-BE49-F238E27FC236}">
+                <a16:creationId xmlns:a16="http://schemas.microsoft.com/office/drawing/2014/main" id="{B9920993-5027-4D4C-B1D2-5832A54E2DE5}"/>
+              </a:ext>
+            </a:extLst>
+          </p:cNvPr>
+          <p:cNvCxnSpPr>
+            <a:cxnSpLocks/>
+            <a:stCxn id="7" idx="5"/>
+            <a:endCxn id="6" idx="1"/>
+          </p:cNvCxnSpPr>
+          <p:nvPr/>
+        </p:nvCxnSpPr>
+        <p:spPr>
+          <a:xfrm>
+            <a:off x="4620629" y="5320004"/>
+            <a:ext cx="993458" cy="230994"/>
+          </a:xfrm>
+          <a:prstGeom prst="straightConnector1">
+            <a:avLst/>
+          </a:prstGeom>
+          <a:ln w="76200">
+            <a:solidFill>
+              <a:schemeClr val="accent1">
+                <a:lumMod val="40000"/>
+                <a:lumOff val="60000"/>
+              </a:schemeClr>
+            </a:solidFill>
+            <a:prstDash val="sysDash"/>
+            <a:headEnd type="triangle" w="med" len="med"/>
+            <a:tailEnd type="triangle" w="med" len="med"/>
+          </a:ln>
+        </p:spPr>
+        <p:style>
+          <a:lnRef idx="1">
+            <a:schemeClr val="accent1"/>
+          </a:lnRef>
+          <a:fillRef idx="0">
+            <a:schemeClr val="accent1"/>
+          </a:fillRef>
+          <a:effectRef idx="0">
+            <a:schemeClr val="accent1"/>
+          </a:effectRef>
+          <a:fontRef idx="minor">
+            <a:schemeClr val="tx1"/>
+          </a:fontRef>
+        </p:style>
+      </p:cxnSp>
+      <p:sp>
+        <p:nvSpPr>
+          <p:cNvPr id="51" name="Rectangle 50">
+            <a:extLst>
+              <a:ext uri="{FF2B5EF4-FFF2-40B4-BE49-F238E27FC236}">
+                <a16:creationId xmlns:a16="http://schemas.microsoft.com/office/drawing/2014/main" id="{E3C6EB56-5C6F-4D49-BBDC-827BABAB8601}"/>
+              </a:ext>
+            </a:extLst>
+          </p:cNvPr>
+          <p:cNvSpPr/>
+          <p:nvPr/>
+        </p:nvSpPr>
+        <p:spPr>
+          <a:xfrm>
+            <a:off x="3121502" y="2689690"/>
+            <a:ext cx="925157" cy="788276"/>
+          </a:xfrm>
+          <a:prstGeom prst="rect">
+            <a:avLst/>
+          </a:prstGeom>
+          <a:solidFill>
+            <a:schemeClr val="bg1"/>
+          </a:solidFill>
+        </p:spPr>
+        <p:style>
+          <a:lnRef idx="2">
+            <a:schemeClr val="accent1">
+              <a:shade val="50000"/>
+            </a:schemeClr>
+          </a:lnRef>
+          <a:fillRef idx="1">
+            <a:schemeClr val="accent1"/>
+          </a:fillRef>
+          <a:effectRef idx="0">
+            <a:schemeClr val="accent1"/>
+          </a:effectRef>
+          <a:fontRef idx="minor">
+            <a:schemeClr val="lt1"/>
+          </a:fontRef>
+        </p:style>
+        <p:txBody>
+          <a:bodyPr lIns="0" rIns="0" rtlCol="0" anchor="ctr"/>
+          <a:lstStyle/>
+          <a:p>
+            <a:pPr algn="ctr"/>
+            <a:r>
+              <a:rPr lang="en-US" sz="1600" dirty="0">
+                <a:solidFill>
+                  <a:sysClr val="windowText" lastClr="000000"/>
+                </a:solidFill>
+              </a:rPr>
+              <a:t>driver</a:t>
+            </a:r>
+          </a:p>
+        </p:txBody>
+      </p:sp>
+      <p:sp>
+        <p:nvSpPr>
+          <p:cNvPr id="52" name="Rectangle 51">
+            <a:extLst>
+              <a:ext uri="{FF2B5EF4-FFF2-40B4-BE49-F238E27FC236}">
+                <a16:creationId xmlns:a16="http://schemas.microsoft.com/office/drawing/2014/main" id="{99620897-B520-B74E-B56B-A967BAE284F2}"/>
+              </a:ext>
+            </a:extLst>
+          </p:cNvPr>
+          <p:cNvSpPr/>
+          <p:nvPr/>
+        </p:nvSpPr>
+        <p:spPr>
+          <a:xfrm>
+            <a:off x="603938" y="5290868"/>
+            <a:ext cx="914400" cy="788276"/>
+          </a:xfrm>
+          <a:prstGeom prst="rect">
+            <a:avLst/>
+          </a:prstGeom>
+          <a:solidFill>
+            <a:schemeClr val="bg1"/>
+          </a:solidFill>
+        </p:spPr>
+        <p:style>
+          <a:lnRef idx="2">
+            <a:schemeClr val="accent1">
+              <a:shade val="50000"/>
+            </a:schemeClr>
+          </a:lnRef>
+          <a:fillRef idx="1">
+            <a:schemeClr val="accent1"/>
+          </a:fillRef>
+          <a:effectRef idx="0">
+            <a:schemeClr val="accent1"/>
+          </a:effectRef>
+          <a:fontRef idx="minor">
+            <a:schemeClr val="lt1"/>
+          </a:fontRef>
+        </p:style>
+        <p:txBody>
+          <a:bodyPr lIns="0" rIns="0" rtlCol="0" anchor="ctr"/>
+          <a:lstStyle/>
+          <a:p>
+            <a:pPr algn="ctr"/>
+            <a:r>
+              <a:rPr lang="en-US" sz="1600" dirty="0">
+                <a:solidFill>
+                  <a:sysClr val="windowText" lastClr="000000"/>
+                </a:solidFill>
+              </a:rPr>
+              <a:t>executor</a:t>
+            </a:r>
+          </a:p>
+        </p:txBody>
+      </p:sp>
+      <p:sp>
+        <p:nvSpPr>
+          <p:cNvPr id="53" name="Rectangle 52">
+            <a:extLst>
+              <a:ext uri="{FF2B5EF4-FFF2-40B4-BE49-F238E27FC236}">
+                <a16:creationId xmlns:a16="http://schemas.microsoft.com/office/drawing/2014/main" id="{2AF11BA9-E285-C94C-9A6A-CA1453AF44D7}"/>
+              </a:ext>
+            </a:extLst>
+          </p:cNvPr>
+          <p:cNvSpPr/>
+          <p:nvPr/>
+        </p:nvSpPr>
+        <p:spPr>
+          <a:xfrm>
+            <a:off x="5840059" y="5290867"/>
+            <a:ext cx="914400" cy="788276"/>
+          </a:xfrm>
+          <a:prstGeom prst="rect">
+            <a:avLst/>
+          </a:prstGeom>
+          <a:solidFill>
+            <a:schemeClr val="bg1"/>
+          </a:solidFill>
+        </p:spPr>
+        <p:style>
+          <a:lnRef idx="2">
+            <a:schemeClr val="accent1">
+              <a:shade val="50000"/>
+            </a:schemeClr>
+          </a:lnRef>
+          <a:fillRef idx="1">
+            <a:schemeClr val="accent1"/>
+          </a:fillRef>
+          <a:effectRef idx="0">
+            <a:schemeClr val="accent1"/>
+          </a:effectRef>
+          <a:fontRef idx="minor">
+            <a:schemeClr val="lt1"/>
+          </a:fontRef>
+        </p:style>
+        <p:txBody>
+          <a:bodyPr lIns="0" rIns="0" rtlCol="0" anchor="ctr"/>
+          <a:lstStyle/>
+          <a:p>
+            <a:pPr algn="ctr"/>
+            <a:r>
+              <a:rPr lang="en-US" sz="1600" dirty="0">
+                <a:solidFill>
+                  <a:sysClr val="windowText" lastClr="000000"/>
+                </a:solidFill>
+              </a:rPr>
+              <a:t>executor</a:t>
+            </a:r>
+          </a:p>
+        </p:txBody>
+      </p:sp>
+      <p:pic>
+        <p:nvPicPr>
+          <p:cNvPr id="71" name="Graphic 70" descr="List">
+            <a:extLst>
+              <a:ext uri="{FF2B5EF4-FFF2-40B4-BE49-F238E27FC236}">
+                <a16:creationId xmlns:a16="http://schemas.microsoft.com/office/drawing/2014/main" id="{17170F42-7ED3-FB42-9A01-E2E263625795}"/>
+              </a:ext>
+            </a:extLst>
+          </p:cNvPr>
+          <p:cNvPicPr>
+            <a:picLocks noChangeAspect="1"/>
+          </p:cNvPicPr>
+          <p:nvPr/>
+        </p:nvPicPr>
+        <p:blipFill>
+          <a:blip r:embed="rId2">
+            <a:extLst>
+              <a:ext uri="{96DAC541-7B7A-43D3-8B79-37D633B846F1}">
+                <asvg:svgBlip xmlns:asvg="http://schemas.microsoft.com/office/drawing/2016/SVG/main" r:embed="rId3"/>
+              </a:ext>
+            </a:extLst>
+          </a:blip>
+          <a:stretch>
+            <a:fillRect/>
+          </a:stretch>
+        </p:blipFill>
+        <p:spPr>
+          <a:xfrm>
+            <a:off x="2047328" y="2628562"/>
+            <a:ext cx="457200" cy="457200"/>
+          </a:xfrm>
+          <a:prstGeom prst="rect">
+            <a:avLst/>
+          </a:prstGeom>
+        </p:spPr>
+      </p:pic>
+      <p:pic>
+        <p:nvPicPr>
+          <p:cNvPr id="73" name="Graphic 72" descr="Briefcase">
+            <a:extLst>
+              <a:ext uri="{FF2B5EF4-FFF2-40B4-BE49-F238E27FC236}">
+                <a16:creationId xmlns:a16="http://schemas.microsoft.com/office/drawing/2014/main" id="{4D0B40EB-40F7-8747-B673-63C8CA317B94}"/>
+              </a:ext>
+            </a:extLst>
+          </p:cNvPr>
+          <p:cNvPicPr>
+            <a:picLocks noChangeAspect="1"/>
+          </p:cNvPicPr>
+          <p:nvPr/>
+        </p:nvPicPr>
+        <p:blipFill>
+          <a:blip r:embed="rId4">
+            <a:extLst>
+              <a:ext uri="{96DAC541-7B7A-43D3-8B79-37D633B846F1}">
+                <asvg:svgBlip xmlns:asvg="http://schemas.microsoft.com/office/drawing/2016/SVG/main" r:embed="rId5"/>
+              </a:ext>
+            </a:extLst>
+          </a:blip>
+          <a:stretch>
+            <a:fillRect/>
+          </a:stretch>
+        </p:blipFill>
+        <p:spPr>
+          <a:xfrm>
+            <a:off x="1600359" y="4310736"/>
+            <a:ext cx="457200" cy="457200"/>
+          </a:xfrm>
+          <a:prstGeom prst="rect">
+            <a:avLst/>
+          </a:prstGeom>
+        </p:spPr>
+      </p:pic>
+      <p:pic>
+        <p:nvPicPr>
+          <p:cNvPr id="74" name="Graphic 73" descr="Briefcase">
+            <a:extLst>
+              <a:ext uri="{FF2B5EF4-FFF2-40B4-BE49-F238E27FC236}">
+                <a16:creationId xmlns:a16="http://schemas.microsoft.com/office/drawing/2014/main" id="{89FCB5A4-B6A8-7742-9C5B-36CD46180625}"/>
+              </a:ext>
+            </a:extLst>
+          </p:cNvPr>
+          <p:cNvPicPr>
+            <a:picLocks noChangeAspect="1"/>
+          </p:cNvPicPr>
+          <p:nvPr/>
+        </p:nvPicPr>
+        <p:blipFill>
+          <a:blip r:embed="rId4">
+            <a:extLst>
+              <a:ext uri="{96DAC541-7B7A-43D3-8B79-37D633B846F1}">
+                <asvg:svgBlip xmlns:asvg="http://schemas.microsoft.com/office/drawing/2016/SVG/main" r:embed="rId5"/>
+              </a:ext>
+            </a:extLst>
+          </a:blip>
+          <a:stretch>
+            <a:fillRect/>
+          </a:stretch>
+        </p:blipFill>
+        <p:spPr>
+          <a:xfrm>
+            <a:off x="6194142" y="4310736"/>
+            <a:ext cx="457200" cy="457200"/>
+          </a:xfrm>
+          <a:prstGeom prst="rect">
+            <a:avLst/>
+          </a:prstGeom>
+        </p:spPr>
+      </p:pic>
+      <p:pic>
+        <p:nvPicPr>
+          <p:cNvPr id="75" name="Graphic 74" descr="List">
+            <a:extLst>
+              <a:ext uri="{FF2B5EF4-FFF2-40B4-BE49-F238E27FC236}">
+                <a16:creationId xmlns:a16="http://schemas.microsoft.com/office/drawing/2014/main" id="{1640D871-183A-754E-A5B0-E40FEBF05FD2}"/>
+              </a:ext>
+            </a:extLst>
+          </p:cNvPr>
+          <p:cNvPicPr>
+            <a:picLocks noChangeAspect="1"/>
+          </p:cNvPicPr>
+          <p:nvPr/>
+        </p:nvPicPr>
+        <p:blipFill>
+          <a:blip r:embed="rId2">
+            <a:extLst>
+              <a:ext uri="{96DAC541-7B7A-43D3-8B79-37D633B846F1}">
+                <asvg:svgBlip xmlns:asvg="http://schemas.microsoft.com/office/drawing/2016/SVG/main" r:embed="rId3"/>
+              </a:ext>
+            </a:extLst>
+          </a:blip>
+          <a:stretch>
+            <a:fillRect/>
+          </a:stretch>
+        </p:blipFill>
+        <p:spPr>
+          <a:xfrm>
+            <a:off x="5920992" y="2698709"/>
+            <a:ext cx="457200" cy="457200"/>
+          </a:xfrm>
+          <a:prstGeom prst="rect">
+            <a:avLst/>
+          </a:prstGeom>
+        </p:spPr>
+      </p:pic>
+      <p:sp>
+        <p:nvSpPr>
+          <p:cNvPr id="76" name="TextBox 75">
+            <a:extLst>
+              <a:ext uri="{FF2B5EF4-FFF2-40B4-BE49-F238E27FC236}">
+                <a16:creationId xmlns:a16="http://schemas.microsoft.com/office/drawing/2014/main" id="{12A97047-999E-7B48-8220-EA58FE534274}"/>
+              </a:ext>
+            </a:extLst>
+          </p:cNvPr>
+          <p:cNvSpPr txBox="1"/>
+          <p:nvPr/>
+        </p:nvSpPr>
+        <p:spPr>
+          <a:xfrm>
+            <a:off x="6286224" y="2773420"/>
+            <a:ext cx="806668" cy="307777"/>
+          </a:xfrm>
+          <a:prstGeom prst="rect">
+            <a:avLst/>
+          </a:prstGeom>
+          <a:noFill/>
+        </p:spPr>
+        <p:txBody>
+          <a:bodyPr wrap="square" rtlCol="0">
+            <a:spAutoFit/>
+          </a:bodyPr>
+          <a:lstStyle/>
+          <a:p>
+            <a:r>
+              <a:rPr lang="en-US" sz="1400" dirty="0"/>
+              <a:t>results</a:t>
+            </a:r>
+          </a:p>
+        </p:txBody>
+      </p:sp>
+      <p:sp>
+        <p:nvSpPr>
+          <p:cNvPr id="77" name="TextBox 76">
+            <a:extLst>
+              <a:ext uri="{FF2B5EF4-FFF2-40B4-BE49-F238E27FC236}">
+                <a16:creationId xmlns:a16="http://schemas.microsoft.com/office/drawing/2014/main" id="{F3D522EF-8F4E-0D4F-999F-4E5A140EBB89}"/>
+              </a:ext>
+            </a:extLst>
+          </p:cNvPr>
+          <p:cNvSpPr txBox="1"/>
+          <p:nvPr/>
+        </p:nvSpPr>
+        <p:spPr>
+          <a:xfrm>
+            <a:off x="5752713" y="4388972"/>
+            <a:ext cx="698936" cy="307777"/>
+          </a:xfrm>
+          <a:prstGeom prst="rect">
+            <a:avLst/>
+          </a:prstGeom>
+          <a:noFill/>
+        </p:spPr>
+        <p:txBody>
+          <a:bodyPr wrap="square" rtlCol="0">
+            <a:spAutoFit/>
+          </a:bodyPr>
+          <a:lstStyle/>
+          <a:p>
+            <a:r>
+              <a:rPr lang="en-US" sz="1400" dirty="0"/>
+              <a:t>task</a:t>
+            </a:r>
+          </a:p>
+        </p:txBody>
+      </p:sp>
+      <p:sp>
+        <p:nvSpPr>
+          <p:cNvPr id="78" name="TextBox 77">
+            <a:extLst>
+              <a:ext uri="{FF2B5EF4-FFF2-40B4-BE49-F238E27FC236}">
+                <a16:creationId xmlns:a16="http://schemas.microsoft.com/office/drawing/2014/main" id="{4CBE7BC7-B369-5349-8B56-7A763B13671D}"/>
+              </a:ext>
+            </a:extLst>
+          </p:cNvPr>
+          <p:cNvSpPr txBox="1"/>
+          <p:nvPr/>
+        </p:nvSpPr>
+        <p:spPr>
+          <a:xfrm>
+            <a:off x="2049606" y="4393383"/>
+            <a:ext cx="698936" cy="307777"/>
+          </a:xfrm>
+          <a:prstGeom prst="rect">
+            <a:avLst/>
+          </a:prstGeom>
+          <a:noFill/>
+        </p:spPr>
+        <p:txBody>
+          <a:bodyPr wrap="square" rtlCol="0">
+            <a:spAutoFit/>
+          </a:bodyPr>
+          <a:lstStyle/>
+          <a:p>
+            <a:r>
+              <a:rPr lang="en-US" sz="1400" dirty="0"/>
+              <a:t>task</a:t>
+            </a:r>
+          </a:p>
+        </p:txBody>
+      </p:sp>
+      <p:sp>
+        <p:nvSpPr>
+          <p:cNvPr id="79" name="TextBox 78">
+            <a:extLst>
+              <a:ext uri="{FF2B5EF4-FFF2-40B4-BE49-F238E27FC236}">
+                <a16:creationId xmlns:a16="http://schemas.microsoft.com/office/drawing/2014/main" id="{F9857E88-21FD-AE4F-9A8E-A1190CE6110D}"/>
+              </a:ext>
+            </a:extLst>
+          </p:cNvPr>
+          <p:cNvSpPr txBox="1"/>
+          <p:nvPr/>
+        </p:nvSpPr>
+        <p:spPr>
+          <a:xfrm>
+            <a:off x="1368804" y="2696355"/>
+            <a:ext cx="818675" cy="307777"/>
+          </a:xfrm>
+          <a:prstGeom prst="rect">
+            <a:avLst/>
+          </a:prstGeom>
+          <a:noFill/>
+        </p:spPr>
+        <p:txBody>
+          <a:bodyPr wrap="square" rtlCol="0">
+            <a:spAutoFit/>
+          </a:bodyPr>
+          <a:lstStyle/>
+          <a:p>
+            <a:r>
+              <a:rPr lang="en-US" sz="1400" dirty="0"/>
+              <a:t>results</a:t>
+            </a:r>
+          </a:p>
+        </p:txBody>
+      </p:sp>
+      <p:pic>
+        <p:nvPicPr>
+          <p:cNvPr id="3" name="Graphic 2" descr="Database">
+            <a:extLst>
+              <a:ext uri="{FF2B5EF4-FFF2-40B4-BE49-F238E27FC236}">
+                <a16:creationId xmlns:a16="http://schemas.microsoft.com/office/drawing/2014/main" id="{FB1E18FE-6B0E-8D4C-AB53-21CB6F8E872A}"/>
+              </a:ext>
+            </a:extLst>
+          </p:cNvPr>
+          <p:cNvPicPr>
+            <a:picLocks noChangeAspect="1"/>
+          </p:cNvPicPr>
+          <p:nvPr/>
+        </p:nvPicPr>
+        <p:blipFill>
+          <a:blip r:embed="rId6">
+            <a:extLst>
+              <a:ext uri="{96DAC541-7B7A-43D3-8B79-37D633B846F1}">
+                <asvg:svgBlip xmlns:asvg="http://schemas.microsoft.com/office/drawing/2016/SVG/main" r:embed="rId7"/>
+              </a:ext>
+            </a:extLst>
+          </a:blip>
+          <a:stretch>
+            <a:fillRect/>
+          </a:stretch>
+        </p:blipFill>
+        <p:spPr>
+          <a:xfrm>
+            <a:off x="6980431" y="5389187"/>
+            <a:ext cx="731520" cy="731520"/>
+          </a:xfrm>
+          <a:prstGeom prst="rect">
+            <a:avLst/>
+          </a:prstGeom>
+        </p:spPr>
+      </p:pic>
+      <p:sp>
+        <p:nvSpPr>
+          <p:cNvPr id="26" name="TextBox 25">
+            <a:extLst>
+              <a:ext uri="{FF2B5EF4-FFF2-40B4-BE49-F238E27FC236}">
+                <a16:creationId xmlns:a16="http://schemas.microsoft.com/office/drawing/2014/main" id="{9DDD6648-F5AE-4242-998F-9EDF8DB82B29}"/>
+              </a:ext>
+            </a:extLst>
+          </p:cNvPr>
+          <p:cNvSpPr txBox="1"/>
+          <p:nvPr/>
+        </p:nvSpPr>
+        <p:spPr>
+          <a:xfrm>
+            <a:off x="7102880" y="5177095"/>
+            <a:ext cx="698936" cy="307777"/>
+          </a:xfrm>
+          <a:prstGeom prst="rect">
+            <a:avLst/>
+          </a:prstGeom>
+          <a:noFill/>
+        </p:spPr>
+        <p:txBody>
+          <a:bodyPr wrap="square" rtlCol="0">
+            <a:spAutoFit/>
+          </a:bodyPr>
+          <a:lstStyle/>
+          <a:p>
+            <a:r>
+              <a:rPr lang="en-US" sz="1400" dirty="0"/>
+              <a:t>data</a:t>
+            </a:r>
+          </a:p>
+        </p:txBody>
+      </p:sp>
+      <p:pic>
+        <p:nvPicPr>
+          <p:cNvPr id="27" name="Graphic 26" descr="Database">
+            <a:extLst>
+              <a:ext uri="{FF2B5EF4-FFF2-40B4-BE49-F238E27FC236}">
+                <a16:creationId xmlns:a16="http://schemas.microsoft.com/office/drawing/2014/main" id="{07D483F7-8415-5D46-8C0C-3A8C727D9A44}"/>
+              </a:ext>
+            </a:extLst>
+          </p:cNvPr>
+          <p:cNvPicPr>
+            <a:picLocks noChangeAspect="1"/>
+          </p:cNvPicPr>
+          <p:nvPr/>
+        </p:nvPicPr>
+        <p:blipFill>
+          <a:blip r:embed="rId6">
+            <a:extLst>
+              <a:ext uri="{96DAC541-7B7A-43D3-8B79-37D633B846F1}">
+                <asvg:svgBlip xmlns:asvg="http://schemas.microsoft.com/office/drawing/2016/SVG/main" r:embed="rId8"/>
+              </a:ext>
+            </a:extLst>
+          </a:blip>
+          <a:stretch>
+            <a:fillRect/>
+          </a:stretch>
+        </p:blipFill>
+        <p:spPr>
+          <a:xfrm>
+            <a:off x="1744310" y="5389187"/>
+            <a:ext cx="731520" cy="731520"/>
+          </a:xfrm>
+          <a:prstGeom prst="rect">
+            <a:avLst/>
+          </a:prstGeom>
+        </p:spPr>
+      </p:pic>
+      <p:sp>
+        <p:nvSpPr>
+          <p:cNvPr id="28" name="TextBox 27">
+            <a:extLst>
+              <a:ext uri="{FF2B5EF4-FFF2-40B4-BE49-F238E27FC236}">
+                <a16:creationId xmlns:a16="http://schemas.microsoft.com/office/drawing/2014/main" id="{03FFEC69-E9C8-5341-AF73-04D57D8E9B5B}"/>
+              </a:ext>
+            </a:extLst>
+          </p:cNvPr>
+          <p:cNvSpPr txBox="1"/>
+          <p:nvPr/>
+        </p:nvSpPr>
+        <p:spPr>
+          <a:xfrm>
+            <a:off x="1866759" y="5177095"/>
+            <a:ext cx="698936" cy="307777"/>
+          </a:xfrm>
+          <a:prstGeom prst="rect">
+            <a:avLst/>
+          </a:prstGeom>
+          <a:noFill/>
+        </p:spPr>
+        <p:txBody>
+          <a:bodyPr wrap="square" rtlCol="0">
+            <a:spAutoFit/>
+          </a:bodyPr>
+          <a:lstStyle/>
+          <a:p>
+            <a:r>
+              <a:rPr lang="en-US" sz="1400" dirty="0"/>
+              <a:t>data</a:t>
+            </a:r>
+          </a:p>
+        </p:txBody>
+      </p:sp>
+      <p:sp>
+        <p:nvSpPr>
+          <p:cNvPr id="30" name="Rectangle 29">
+            <a:extLst>
+              <a:ext uri="{FF2B5EF4-FFF2-40B4-BE49-F238E27FC236}">
+                <a16:creationId xmlns:a16="http://schemas.microsoft.com/office/drawing/2014/main" id="{EA5E883F-3E84-DE4D-97DD-CC88D2C7747C}"/>
+              </a:ext>
+            </a:extLst>
+          </p:cNvPr>
+          <p:cNvSpPr/>
+          <p:nvPr/>
+        </p:nvSpPr>
+        <p:spPr>
+          <a:xfrm>
+            <a:off x="4223556" y="2689690"/>
+            <a:ext cx="925157" cy="788276"/>
+          </a:xfrm>
+          <a:prstGeom prst="rect">
+            <a:avLst/>
+          </a:prstGeom>
+          <a:solidFill>
+            <a:schemeClr val="bg1"/>
+          </a:solidFill>
+        </p:spPr>
+        <p:style>
+          <a:lnRef idx="2">
+            <a:schemeClr val="accent1">
+              <a:shade val="50000"/>
+            </a:schemeClr>
+          </a:lnRef>
+          <a:fillRef idx="1">
+            <a:schemeClr val="accent1"/>
+          </a:fillRef>
+          <a:effectRef idx="0">
+            <a:schemeClr val="accent1"/>
+          </a:effectRef>
+          <a:fontRef idx="minor">
+            <a:schemeClr val="lt1"/>
+          </a:fontRef>
+        </p:style>
+        <p:txBody>
+          <a:bodyPr lIns="0" rIns="0" rtlCol="0" anchor="ctr"/>
+          <a:lstStyle/>
+          <a:p>
+            <a:pPr algn="ctr"/>
+            <a:r>
+              <a:rPr lang="en-US" sz="1600" dirty="0">
+                <a:solidFill>
+                  <a:sysClr val="windowText" lastClr="000000"/>
+                </a:solidFill>
+              </a:rPr>
+              <a:t>scheduler</a:t>
+            </a:r>
+          </a:p>
+        </p:txBody>
+      </p:sp>
+      <p:sp>
+        <p:nvSpPr>
+          <p:cNvPr id="17" name="TextBox 16">
+            <a:extLst>
+              <a:ext uri="{FF2B5EF4-FFF2-40B4-BE49-F238E27FC236}">
+                <a16:creationId xmlns:a16="http://schemas.microsoft.com/office/drawing/2014/main" id="{0C14026C-D97A-4A40-8776-FF284C97A0C9}"/>
+              </a:ext>
+            </a:extLst>
+          </p:cNvPr>
+          <p:cNvSpPr txBox="1"/>
+          <p:nvPr/>
+        </p:nvSpPr>
+        <p:spPr>
+          <a:xfrm>
+            <a:off x="8007358" y="2314898"/>
+            <a:ext cx="4037098" cy="3908762"/>
+          </a:xfrm>
+          <a:prstGeom prst="rect">
+            <a:avLst/>
+          </a:prstGeom>
+          <a:solidFill>
+            <a:schemeClr val="bg1"/>
+          </a:solidFill>
+        </p:spPr>
+        <p:txBody>
+          <a:bodyPr wrap="square" rtlCol="0">
+            <a:spAutoFit/>
+          </a:bodyPr>
+          <a:lstStyle/>
+          <a:p>
+            <a:pPr marL="342900" indent="-342900">
+              <a:buAutoNum type="arabicPeriod"/>
+            </a:pPr>
+            <a:r>
+              <a:rPr lang="en-US" sz="1600" dirty="0"/>
+              <a:t>The driver works with the cluster manager to launch worker nodes</a:t>
+            </a:r>
+          </a:p>
+          <a:p>
+            <a:pPr marL="342900" indent="-342900">
+              <a:buAutoNum type="arabicPeriod"/>
+            </a:pPr>
+            <a:endParaRPr lang="en-US" sz="1600" dirty="0"/>
+          </a:p>
+          <a:p>
+            <a:pPr marL="342900" indent="-342900">
+              <a:buAutoNum type="arabicPeriod"/>
+            </a:pPr>
+            <a:r>
+              <a:rPr lang="en-US" sz="1600" dirty="0"/>
+              <a:t>The driver is responsible for converting user code to tasks</a:t>
+            </a:r>
+          </a:p>
+          <a:p>
+            <a:r>
+              <a:rPr lang="en-US" sz="1200" i="1" dirty="0"/>
+              <a:t>* The conversion is a sophisticated process that optimizes the sequence of computation required</a:t>
+            </a:r>
+          </a:p>
+          <a:p>
+            <a:pPr marL="342900" indent="-342900">
+              <a:buFont typeface="+mj-lt"/>
+              <a:buAutoNum type="arabicPeriod" startAt="3"/>
+            </a:pPr>
+            <a:endParaRPr lang="en-US" sz="1600" dirty="0"/>
+          </a:p>
+          <a:p>
+            <a:pPr marL="342900" indent="-342900">
+              <a:buFont typeface="+mj-lt"/>
+              <a:buAutoNum type="arabicPeriod" startAt="3"/>
+            </a:pPr>
+            <a:r>
+              <a:rPr lang="en-US" sz="1600" dirty="0"/>
+              <a:t>The driver coordinates with the worker nodes to execute the tasks</a:t>
+            </a:r>
+          </a:p>
+          <a:p>
+            <a:pPr marL="342900" indent="-342900">
+              <a:buAutoNum type="arabicPeriod" startAt="3"/>
+            </a:pPr>
+            <a:endParaRPr lang="en-US" sz="1600" dirty="0"/>
+          </a:p>
+          <a:p>
+            <a:pPr marL="342900" indent="-342900">
+              <a:buAutoNum type="arabicPeriod" startAt="3"/>
+            </a:pPr>
+            <a:r>
+              <a:rPr lang="en-US" sz="1600" dirty="0"/>
+              <a:t>Worker nodes return the results upon completion</a:t>
+            </a:r>
+          </a:p>
+          <a:p>
+            <a:pPr marL="342900" indent="-342900">
+              <a:buAutoNum type="arabicPeriod" startAt="3"/>
+            </a:pPr>
+            <a:endParaRPr lang="en-US" sz="1600" dirty="0"/>
+          </a:p>
+          <a:p>
+            <a:pPr marL="342900" indent="-342900">
+              <a:buAutoNum type="arabicPeriod" startAt="3"/>
+            </a:pPr>
+            <a:r>
+              <a:rPr lang="en-US" sz="1600" dirty="0"/>
+              <a:t>Resources is released from the cluster manager</a:t>
+            </a:r>
+          </a:p>
+        </p:txBody>
+      </p:sp>
+    </p:spTree>
+    <p:extLst>
+      <p:ext uri="{BB962C8B-B14F-4D97-AF65-F5344CB8AC3E}">
+        <p14:creationId xmlns:p14="http://schemas.microsoft.com/office/powerpoint/2010/main" val="1753512417"/>
+      </p:ext>
+    </p:extLst>
+  </p:cSld>
+  <p:clrMapOvr>
+    <a:masterClrMapping/>
+  </p:clrMapOvr>
+</p:sld>
+</file>
+
+<file path=ppt/slides/slide4.xml><?xml version="1.0" encoding="utf-8"?>
+<p:sld xmlns:a="http://schemas.openxmlformats.org/drawingml/2006/main" xmlns:r="http://schemas.openxmlformats.org/officeDocument/2006/relationships" xmlns:p="http://schemas.openxmlformats.org/presentationml/2006/main">
+  <p:cSld>
+    <p:spTree>
+      <p:nvGrpSpPr>
+        <p:cNvPr id="1" name=""/>
+        <p:cNvGrpSpPr/>
+        <p:nvPr/>
+      </p:nvGrpSpPr>
+      <p:grpSpPr>
+        <a:xfrm>
+          <a:off x="0" y="0"/>
+          <a:ext cx="0" cy="0"/>
+          <a:chOff x="0" y="0"/>
+          <a:chExt cx="0" cy="0"/>
+        </a:xfrm>
+      </p:grpSpPr>
+      <p:sp>
+        <p:nvSpPr>
+          <p:cNvPr id="2" name="Title 1">
+            <a:extLst>
+              <a:ext uri="{FF2B5EF4-FFF2-40B4-BE49-F238E27FC236}">
+                <a16:creationId xmlns:a16="http://schemas.microsoft.com/office/drawing/2014/main" id="{88615A44-0FA8-8A44-8A20-2568EFCA4B60}"/>
+              </a:ext>
+            </a:extLst>
+          </p:cNvPr>
+          <p:cNvSpPr>
+            <a:spLocks noGrp="1"/>
+          </p:cNvSpPr>
+          <p:nvPr>
+            <p:ph type="title"/>
+          </p:nvPr>
+        </p:nvSpPr>
+        <p:spPr/>
+        <p:txBody>
+          <a:bodyPr/>
+          <a:lstStyle/>
+          <a:p>
+            <a:endParaRPr lang="en-US"/>
+          </a:p>
+        </p:txBody>
+      </p:sp>
+      <p:graphicFrame>
+        <p:nvGraphicFramePr>
+          <p:cNvPr id="4" name="Table 4">
+            <a:extLst>
+              <a:ext uri="{FF2B5EF4-FFF2-40B4-BE49-F238E27FC236}">
+                <a16:creationId xmlns:a16="http://schemas.microsoft.com/office/drawing/2014/main" id="{1A263ACC-42EB-0146-BB5A-60D688711CE6}"/>
+              </a:ext>
+            </a:extLst>
+          </p:cNvPr>
+          <p:cNvGraphicFramePr>
+            <a:graphicFrameLocks noGrp="1"/>
+          </p:cNvGraphicFramePr>
+          <p:nvPr>
+            <p:ph idx="1"/>
+            <p:extLst>
+              <p:ext uri="{D42A27DB-BD31-4B8C-83A1-F6EECF244321}">
+                <p14:modId xmlns:p14="http://schemas.microsoft.com/office/powerpoint/2010/main" val="2065036167"/>
+              </p:ext>
+            </p:extLst>
+          </p:nvPr>
+        </p:nvGraphicFramePr>
+        <p:xfrm>
+          <a:off x="689919" y="2242477"/>
+          <a:ext cx="10515600" cy="3408680"/>
+        </p:xfrm>
+        <a:graphic>
+          <a:graphicData uri="http://schemas.openxmlformats.org/drawingml/2006/table">
+            <a:tbl>
+              <a:tblPr firstRow="1" bandRow="1">
+                <a:tableStyleId>{5C22544A-7EE6-4342-B048-85BDC9FD1C3A}</a:tableStyleId>
+              </a:tblPr>
+              <a:tblGrid>
+                <a:gridCol w="5257800">
+                  <a:extLst>
+                    <a:ext uri="{9D8B030D-6E8A-4147-A177-3AD203B41FA5}">
+                      <a16:colId xmlns:a16="http://schemas.microsoft.com/office/drawing/2014/main" val="3418208077"/>
+                    </a:ext>
+                  </a:extLst>
+                </a:gridCol>
+                <a:gridCol w="5257800">
+                  <a:extLst>
+                    <a:ext uri="{9D8B030D-6E8A-4147-A177-3AD203B41FA5}">
+                      <a16:colId xmlns:a16="http://schemas.microsoft.com/office/drawing/2014/main" val="1760128954"/>
+                    </a:ext>
+                  </a:extLst>
+                </a:gridCol>
+              </a:tblGrid>
+              <a:tr h="370840">
+                <a:tc>
+                  <a:txBody>
+                    <a:bodyPr/>
+                    <a:lstStyle/>
+                    <a:p>
+                      <a:r>
+                        <a:rPr lang="en-US" dirty="0"/>
+                        <a:t>Pandas </a:t>
+                      </a:r>
+                      <a:r>
+                        <a:rPr lang="en-US" dirty="0" err="1"/>
+                        <a:t>DataFrame</a:t>
+                      </a:r>
+                      <a:endParaRPr lang="en-US" dirty="0"/>
+                    </a:p>
+                  </a:txBody>
+                  <a:tcPr/>
+                </a:tc>
+                <a:tc>
+                  <a:txBody>
+                    <a:bodyPr/>
+                    <a:lstStyle/>
+                    <a:p>
+                      <a:r>
+                        <a:rPr lang="en-US" dirty="0"/>
+                        <a:t>Spark </a:t>
+                      </a:r>
+                      <a:r>
+                        <a:rPr lang="en-US" dirty="0" err="1"/>
+                        <a:t>DataFrame</a:t>
+                      </a:r>
+                      <a:endParaRPr lang="en-US" dirty="0"/>
+                    </a:p>
+                  </a:txBody>
+                  <a:tcPr/>
+                </a:tc>
+                <a:extLst>
+                  <a:ext uri="{0D108BD9-81ED-4DB2-BD59-A6C34878D82A}">
+                    <a16:rowId xmlns:a16="http://schemas.microsoft.com/office/drawing/2014/main" val="2329700387"/>
+                  </a:ext>
+                </a:extLst>
+              </a:tr>
+              <a:tr h="370840">
+                <a:tc>
+                  <a:txBody>
+                    <a:bodyPr/>
+                    <a:lstStyle/>
+                    <a:p>
+                      <a:r>
+                        <a:rPr lang="en-US" dirty="0"/>
+                        <a:t>Single Node</a:t>
+                      </a:r>
+                    </a:p>
+                  </a:txBody>
+                  <a:tcPr/>
+                </a:tc>
+                <a:tc>
+                  <a:txBody>
+                    <a:bodyPr/>
+                    <a:lstStyle/>
+                    <a:p>
+                      <a:r>
+                        <a:rPr lang="en-US" dirty="0"/>
+                        <a:t>Multiple Nodes</a:t>
+                      </a:r>
+                    </a:p>
+                  </a:txBody>
+                  <a:tcPr/>
+                </a:tc>
+                <a:extLst>
+                  <a:ext uri="{0D108BD9-81ED-4DB2-BD59-A6C34878D82A}">
+                    <a16:rowId xmlns:a16="http://schemas.microsoft.com/office/drawing/2014/main" val="3759806172"/>
+                  </a:ext>
+                </a:extLst>
+              </a:tr>
+              <a:tr h="370840">
+                <a:tc>
+                  <a:txBody>
+                    <a:bodyPr/>
+                    <a:lstStyle/>
+                    <a:p>
+                      <a:r>
+                        <a:rPr lang="en-US" dirty="0"/>
+                        <a:t>Eager Execution – Computation is Executed Immediately</a:t>
+                      </a:r>
+                    </a:p>
+                  </a:txBody>
+                  <a:tcPr/>
+                </a:tc>
+                <a:tc>
+                  <a:txBody>
+                    <a:bodyPr/>
+                    <a:lstStyle/>
+                    <a:p>
+                      <a:r>
+                        <a:rPr lang="en-US" dirty="0"/>
+                        <a:t>Lazy Execution – Computation isn’t Executed Until Necessary which Allows Optimization of Tasks Across Cluster</a:t>
+                      </a:r>
+                    </a:p>
+                  </a:txBody>
+                  <a:tcPr/>
+                </a:tc>
+                <a:extLst>
+                  <a:ext uri="{0D108BD9-81ED-4DB2-BD59-A6C34878D82A}">
+                    <a16:rowId xmlns:a16="http://schemas.microsoft.com/office/drawing/2014/main" val="3754741441"/>
+                  </a:ext>
+                </a:extLst>
+              </a:tr>
+              <a:tr h="370840">
+                <a:tc>
+                  <a:txBody>
+                    <a:bodyPr/>
+                    <a:lstStyle/>
+                    <a:p>
+                      <a:r>
+                        <a:rPr lang="en-US" dirty="0"/>
+                        <a:t>Constraint by Computer Hardware</a:t>
+                      </a:r>
+                    </a:p>
+                  </a:txBody>
+                  <a:tcPr/>
+                </a:tc>
+                <a:tc>
+                  <a:txBody>
+                    <a:bodyPr/>
+                    <a:lstStyle/>
+                    <a:p>
+                      <a:r>
+                        <a:rPr lang="en-US" dirty="0"/>
+                        <a:t>Scales Horizontally by Adding More Nodes</a:t>
+                      </a:r>
+                    </a:p>
+                  </a:txBody>
+                  <a:tcPr/>
+                </a:tc>
+                <a:extLst>
+                  <a:ext uri="{0D108BD9-81ED-4DB2-BD59-A6C34878D82A}">
+                    <a16:rowId xmlns:a16="http://schemas.microsoft.com/office/drawing/2014/main" val="2377439718"/>
+                  </a:ext>
+                </a:extLst>
+              </a:tr>
+              <a:tr h="370840">
+                <a:tc>
+                  <a:txBody>
+                    <a:bodyPr/>
+                    <a:lstStyle/>
+                    <a:p>
+                      <a:r>
+                        <a:rPr lang="en-US" dirty="0"/>
+                        <a:t>Computation Done In-Memory</a:t>
+                      </a:r>
+                    </a:p>
+                  </a:txBody>
+                  <a:tcPr/>
+                </a:tc>
+                <a:tc>
+                  <a:txBody>
+                    <a:bodyPr/>
+                    <a:lstStyle/>
+                    <a:p>
+                      <a:r>
+                        <a:rPr lang="en-US" dirty="0"/>
+                        <a:t>Computation Done In-Memory</a:t>
+                      </a:r>
+                    </a:p>
+                  </a:txBody>
+                  <a:tcPr/>
+                </a:tc>
+                <a:extLst>
+                  <a:ext uri="{0D108BD9-81ED-4DB2-BD59-A6C34878D82A}">
+                    <a16:rowId xmlns:a16="http://schemas.microsoft.com/office/drawing/2014/main" val="95627471"/>
+                  </a:ext>
+                </a:extLst>
+              </a:tr>
+              <a:tr h="370840">
+                <a:tc>
+                  <a:txBody>
+                    <a:bodyPr/>
+                    <a:lstStyle/>
+                    <a:p>
+                      <a:r>
+                        <a:rPr lang="en-US" dirty="0"/>
+                        <a:t>Data is Mutable</a:t>
+                      </a:r>
+                    </a:p>
+                  </a:txBody>
+                  <a:tcPr/>
+                </a:tc>
+                <a:tc>
+                  <a:txBody>
+                    <a:bodyPr/>
+                    <a:lstStyle/>
+                    <a:p>
+                      <a:r>
+                        <a:rPr lang="en-US" dirty="0"/>
+                        <a:t>Data is Immutable</a:t>
+                      </a:r>
+                    </a:p>
+                  </a:txBody>
+                  <a:tcPr/>
+                </a:tc>
+                <a:extLst>
+                  <a:ext uri="{0D108BD9-81ED-4DB2-BD59-A6C34878D82A}">
+                    <a16:rowId xmlns:a16="http://schemas.microsoft.com/office/drawing/2014/main" val="2501269241"/>
+                  </a:ext>
+                </a:extLst>
+              </a:tr>
+              <a:tr h="370840">
+                <a:tc>
+                  <a:txBody>
+                    <a:bodyPr/>
+                    <a:lstStyle/>
+                    <a:p>
+                      <a:r>
+                        <a:rPr lang="en-US" dirty="0"/>
+                        <a:t>API Offers More Operations and Methods</a:t>
+                      </a:r>
+                    </a:p>
+                  </a:txBody>
+                  <a:tcPr/>
+                </a:tc>
+                <a:tc>
+                  <a:txBody>
+                    <a:bodyPr/>
+                    <a:lstStyle/>
+                    <a:p>
+                      <a:r>
+                        <a:rPr lang="en-US" dirty="0"/>
+                        <a:t>Methods Require Additional Programming to Enable Parallel Computing</a:t>
+                      </a:r>
+                    </a:p>
+                  </a:txBody>
+                  <a:tcPr/>
+                </a:tc>
+                <a:extLst>
+                  <a:ext uri="{0D108BD9-81ED-4DB2-BD59-A6C34878D82A}">
+                    <a16:rowId xmlns:a16="http://schemas.microsoft.com/office/drawing/2014/main" val="28993932"/>
+                  </a:ext>
+                </a:extLst>
+              </a:tr>
+            </a:tbl>
+          </a:graphicData>
+        </a:graphic>
+      </p:graphicFrame>
+    </p:spTree>
+    <p:extLst>
+      <p:ext uri="{BB962C8B-B14F-4D97-AF65-F5344CB8AC3E}">
+        <p14:creationId xmlns:p14="http://schemas.microsoft.com/office/powerpoint/2010/main" val="2425168308"/>
+      </p:ext>
+    </p:extLst>
+  </p:cSld>
+  <p:clrMapOvr>
+    <a:masterClrMapping/>
+  </p:clrMapOvr>
+</p:sld>
+</file>
+
+<file path=ppt/slides/slide5.xml><?xml version="1.0" encoding="utf-8"?>
+<p:sld xmlns:a="http://schemas.openxmlformats.org/drawingml/2006/main" xmlns:r="http://schemas.openxmlformats.org/officeDocument/2006/relationships" xmlns:p="http://schemas.openxmlformats.org/presentationml/2006/main">
+  <p:cSld>
+    <p:spTree>
+      <p:nvGrpSpPr>
+        <p:cNvPr id="1" name=""/>
+        <p:cNvGrpSpPr/>
+        <p:nvPr/>
+      </p:nvGrpSpPr>
+      <p:grpSpPr>
+        <a:xfrm>
+          <a:off x="0" y="0"/>
+          <a:ext cx="0" cy="0"/>
+          <a:chOff x="0" y="0"/>
+          <a:chExt cx="0" cy="0"/>
+        </a:xfrm>
+      </p:grpSpPr>
+      <p:sp>
+        <p:nvSpPr>
+          <p:cNvPr id="2" name="Title 1">
+            <a:extLst>
+              <a:ext uri="{FF2B5EF4-FFF2-40B4-BE49-F238E27FC236}">
+                <a16:creationId xmlns:a16="http://schemas.microsoft.com/office/drawing/2014/main" id="{F52A01C9-7D30-2A42-90C5-EF9C3C89D62C}"/>
+              </a:ext>
+            </a:extLst>
+          </p:cNvPr>
+          <p:cNvSpPr>
+            <a:spLocks noGrp="1"/>
+          </p:cNvSpPr>
+          <p:nvPr>
+            <p:ph type="title"/>
+          </p:nvPr>
+        </p:nvSpPr>
+        <p:spPr/>
+        <p:txBody>
+          <a:bodyPr/>
+          <a:lstStyle/>
+          <a:p>
+            <a:endParaRPr lang="en-US"/>
+          </a:p>
+        </p:txBody>
+      </p:sp>
+      <p:pic>
+        <p:nvPicPr>
+          <p:cNvPr id="5" name="Picture 4" descr="Table&#10;&#10;Description automatically generated">
+            <a:extLst>
+              <a:ext uri="{FF2B5EF4-FFF2-40B4-BE49-F238E27FC236}">
+                <a16:creationId xmlns:a16="http://schemas.microsoft.com/office/drawing/2014/main" id="{02143B83-93A8-F24D-A893-600EA0DC86F0}"/>
+              </a:ext>
+            </a:extLst>
+          </p:cNvPr>
+          <p:cNvPicPr>
+            <a:picLocks noChangeAspect="1"/>
+          </p:cNvPicPr>
+          <p:nvPr/>
+        </p:nvPicPr>
+        <p:blipFill>
+          <a:blip r:embed="rId2"/>
+          <a:stretch>
+            <a:fillRect/>
+          </a:stretch>
+        </p:blipFill>
+        <p:spPr>
+          <a:xfrm>
+            <a:off x="1260389" y="3194737"/>
+            <a:ext cx="5297616" cy="1875356"/>
+          </a:xfrm>
+          <a:prstGeom prst="rect">
+            <a:avLst/>
+          </a:prstGeom>
+        </p:spPr>
+      </p:pic>
+      <p:pic>
+        <p:nvPicPr>
+          <p:cNvPr id="9" name="Picture 8" descr="Chart, scatter chart&#10;&#10;Description automatically generated">
+            <a:extLst>
+              <a:ext uri="{FF2B5EF4-FFF2-40B4-BE49-F238E27FC236}">
+                <a16:creationId xmlns:a16="http://schemas.microsoft.com/office/drawing/2014/main" id="{81B7880C-74F1-2F45-9287-6763CFEB8622}"/>
+              </a:ext>
+            </a:extLst>
+          </p:cNvPr>
+          <p:cNvPicPr>
+            <a:picLocks noChangeAspect="1"/>
+          </p:cNvPicPr>
+          <p:nvPr/>
+        </p:nvPicPr>
+        <p:blipFill>
+          <a:blip r:embed="rId3"/>
+          <a:stretch>
+            <a:fillRect/>
+          </a:stretch>
+        </p:blipFill>
+        <p:spPr>
+          <a:xfrm>
+            <a:off x="6558005" y="2345144"/>
+            <a:ext cx="4629665" cy="3472248"/>
+          </a:xfrm>
+          <a:prstGeom prst="rect">
+            <a:avLst/>
+          </a:prstGeom>
+        </p:spPr>
+      </p:pic>
+    </p:spTree>
+    <p:extLst>
+      <p:ext uri="{BB962C8B-B14F-4D97-AF65-F5344CB8AC3E}">
+        <p14:creationId xmlns:p14="http://schemas.microsoft.com/office/powerpoint/2010/main" val="3767528577"/>
+      </p:ext>
+    </p:extLst>
+  </p:cSld>
+  <p:clrMapOvr>
+    <a:masterClrMapping/>
+  </p:clrMapOvr>
+</p:sld>
+</file>
+
 <file path=ppt/theme/theme1.xml><?xml version="1.0" encoding="utf-8"?>
 <a:theme xmlns:a="http://schemas.openxmlformats.org/drawingml/2006/main" name="Office Theme">
   <a:themeElements>

--- a/images/medium.pptx
+++ b/images/medium.pptx
@@ -7,9 +7,10 @@
   <p:sldIdLst>
     <p:sldId id="256" r:id="rId2"/>
     <p:sldId id="257" r:id="rId3"/>
-    <p:sldId id="258" r:id="rId4"/>
-    <p:sldId id="259" r:id="rId5"/>
-    <p:sldId id="260" r:id="rId6"/>
+    <p:sldId id="261" r:id="rId4"/>
+    <p:sldId id="258" r:id="rId5"/>
+    <p:sldId id="259" r:id="rId6"/>
+    <p:sldId id="260" r:id="rId7"/>
   </p:sldIdLst>
   <p:sldSz cx="12192000" cy="6858000"/>
   <p:notesSz cx="6858000" cy="9144000"/>
@@ -3960,6 +3961,556 @@
           <a:chExt cx="0" cy="0"/>
         </a:xfrm>
       </p:grpSpPr>
+      <p:pic>
+        <p:nvPicPr>
+          <p:cNvPr id="5" name="Picture 4">
+            <a:extLst>
+              <a:ext uri="{FF2B5EF4-FFF2-40B4-BE49-F238E27FC236}">
+                <a16:creationId xmlns:a16="http://schemas.microsoft.com/office/drawing/2014/main" id="{8BD39D4F-E9DF-0349-A5E1-212C8FE720E3}"/>
+              </a:ext>
+            </a:extLst>
+          </p:cNvPr>
+          <p:cNvPicPr>
+            <a:picLocks noChangeAspect="1"/>
+          </p:cNvPicPr>
+          <p:nvPr/>
+        </p:nvPicPr>
+        <p:blipFill>
+          <a:blip r:embed="rId2"/>
+          <a:stretch>
+            <a:fillRect/>
+          </a:stretch>
+        </p:blipFill>
+        <p:spPr>
+          <a:xfrm>
+            <a:off x="1617429" y="963827"/>
+            <a:ext cx="9189896" cy="4930346"/>
+          </a:xfrm>
+          <a:prstGeom prst="rect">
+            <a:avLst/>
+          </a:prstGeom>
+        </p:spPr>
+      </p:pic>
+      <p:pic>
+        <p:nvPicPr>
+          <p:cNvPr id="13" name="Picture 12" descr="A picture containing text, clipart&#10;&#10;Description automatically generated">
+            <a:extLst>
+              <a:ext uri="{FF2B5EF4-FFF2-40B4-BE49-F238E27FC236}">
+                <a16:creationId xmlns:a16="http://schemas.microsoft.com/office/drawing/2014/main" id="{1704CBAF-0985-4846-B904-E9234CEC377B}"/>
+              </a:ext>
+            </a:extLst>
+          </p:cNvPr>
+          <p:cNvPicPr>
+            <a:picLocks noChangeAspect="1"/>
+          </p:cNvPicPr>
+          <p:nvPr/>
+        </p:nvPicPr>
+        <p:blipFill>
+          <a:blip r:embed="rId3">
+            <a:alphaModFix amt="35000"/>
+            <a:extLst>
+              <a:ext uri="{BEBA8EAE-BF5A-486C-A8C5-ECC9F3942E4B}">
+                <a14:imgProps xmlns:a14="http://schemas.microsoft.com/office/drawing/2010/main">
+                  <a14:imgLayer r:embed="rId4">
+                    <a14:imgEffect>
+                      <a14:artisticBlur/>
+                    </a14:imgEffect>
+                    <a14:imgEffect>
+                      <a14:colorTemperature colorTemp="11200"/>
+                    </a14:imgEffect>
+                    <a14:imgEffect>
+                      <a14:saturation sat="400000"/>
+                    </a14:imgEffect>
+                  </a14:imgLayer>
+                </a14:imgProps>
+              </a:ext>
+            </a:extLst>
+          </a:blip>
+          <a:stretch>
+            <a:fillRect/>
+          </a:stretch>
+        </p:blipFill>
+        <p:spPr>
+          <a:xfrm>
+            <a:off x="2766574" y="1325217"/>
+            <a:ext cx="2011680" cy="2011680"/>
+          </a:xfrm>
+          <a:prstGeom prst="rect">
+            <a:avLst/>
+          </a:prstGeom>
+        </p:spPr>
+      </p:pic>
+      <p:pic>
+        <p:nvPicPr>
+          <p:cNvPr id="12" name="Picture 11" descr="A picture containing text, clipart&#10;&#10;Description automatically generated">
+            <a:extLst>
+              <a:ext uri="{FF2B5EF4-FFF2-40B4-BE49-F238E27FC236}">
+                <a16:creationId xmlns:a16="http://schemas.microsoft.com/office/drawing/2014/main" id="{8C457E53-3A58-0B47-A9B7-5190698C1623}"/>
+              </a:ext>
+            </a:extLst>
+          </p:cNvPr>
+          <p:cNvPicPr>
+            <a:picLocks noChangeAspect="1"/>
+          </p:cNvPicPr>
+          <p:nvPr/>
+        </p:nvPicPr>
+        <p:blipFill>
+          <a:blip r:embed="rId3">
+            <a:alphaModFix amt="50000"/>
+            <a:extLst>
+              <a:ext uri="{BEBA8EAE-BF5A-486C-A8C5-ECC9F3942E4B}">
+                <a14:imgProps xmlns:a14="http://schemas.microsoft.com/office/drawing/2010/main">
+                  <a14:imgLayer r:embed="rId5">
+                    <a14:imgEffect>
+                      <a14:artisticBlur/>
+                    </a14:imgEffect>
+                    <a14:imgEffect>
+                      <a14:colorTemperature colorTemp="11200"/>
+                    </a14:imgEffect>
+                    <a14:imgEffect>
+                      <a14:saturation sat="400000"/>
+                    </a14:imgEffect>
+                  </a14:imgLayer>
+                </a14:imgProps>
+              </a:ext>
+            </a:extLst>
+          </a:blip>
+          <a:stretch>
+            <a:fillRect/>
+          </a:stretch>
+        </p:blipFill>
+        <p:spPr>
+          <a:xfrm>
+            <a:off x="2499173" y="1752555"/>
+            <a:ext cx="2011680" cy="2011680"/>
+          </a:xfrm>
+          <a:prstGeom prst="rect">
+            <a:avLst/>
+          </a:prstGeom>
+        </p:spPr>
+      </p:pic>
+      <p:pic>
+        <p:nvPicPr>
+          <p:cNvPr id="9" name="Picture 8" descr="A picture containing text, clipart&#10;&#10;Description automatically generated">
+            <a:extLst>
+              <a:ext uri="{FF2B5EF4-FFF2-40B4-BE49-F238E27FC236}">
+                <a16:creationId xmlns:a16="http://schemas.microsoft.com/office/drawing/2014/main" id="{71F7355A-E080-BB41-AF85-27EA99CB119B}"/>
+              </a:ext>
+            </a:extLst>
+          </p:cNvPr>
+          <p:cNvPicPr>
+            <a:picLocks noChangeAspect="1"/>
+          </p:cNvPicPr>
+          <p:nvPr/>
+        </p:nvPicPr>
+        <p:blipFill>
+          <a:blip r:embed="rId3">
+            <a:alphaModFix amt="70000"/>
+            <a:extLst>
+              <a:ext uri="{BEBA8EAE-BF5A-486C-A8C5-ECC9F3942E4B}">
+                <a14:imgProps xmlns:a14="http://schemas.microsoft.com/office/drawing/2010/main">
+                  <a14:imgLayer r:embed="rId6">
+                    <a14:imgEffect>
+                      <a14:artisticBlur/>
+                    </a14:imgEffect>
+                    <a14:imgEffect>
+                      <a14:colorTemperature colorTemp="11200"/>
+                    </a14:imgEffect>
+                    <a14:imgEffect>
+                      <a14:saturation sat="400000"/>
+                    </a14:imgEffect>
+                  </a14:imgLayer>
+                </a14:imgProps>
+              </a:ext>
+            </a:extLst>
+          </a:blip>
+          <a:stretch>
+            <a:fillRect/>
+          </a:stretch>
+        </p:blipFill>
+        <p:spPr>
+          <a:xfrm>
+            <a:off x="2231773" y="2179893"/>
+            <a:ext cx="2011680" cy="2011680"/>
+          </a:xfrm>
+          <a:prstGeom prst="rect">
+            <a:avLst/>
+          </a:prstGeom>
+        </p:spPr>
+      </p:pic>
+      <p:pic>
+        <p:nvPicPr>
+          <p:cNvPr id="15" name="Picture 14" descr="A picture containing text, clipart&#10;&#10;Description automatically generated">
+            <a:extLst>
+              <a:ext uri="{FF2B5EF4-FFF2-40B4-BE49-F238E27FC236}">
+                <a16:creationId xmlns:a16="http://schemas.microsoft.com/office/drawing/2014/main" id="{902CCEC3-9581-FA45-B971-D8A44C814E3C}"/>
+              </a:ext>
+            </a:extLst>
+          </p:cNvPr>
+          <p:cNvPicPr>
+            <a:picLocks noChangeAspect="1"/>
+          </p:cNvPicPr>
+          <p:nvPr/>
+        </p:nvPicPr>
+        <p:blipFill>
+          <a:blip r:embed="rId3">
+            <a:alphaModFix amt="70000"/>
+            <a:extLst>
+              <a:ext uri="{BEBA8EAE-BF5A-486C-A8C5-ECC9F3942E4B}">
+                <a14:imgProps xmlns:a14="http://schemas.microsoft.com/office/drawing/2010/main">
+                  <a14:imgLayer r:embed="rId7">
+                    <a14:imgEffect>
+                      <a14:artisticBlur/>
+                    </a14:imgEffect>
+                    <a14:imgEffect>
+                      <a14:colorTemperature colorTemp="11200"/>
+                    </a14:imgEffect>
+                    <a14:imgEffect>
+                      <a14:saturation sat="400000"/>
+                    </a14:imgEffect>
+                  </a14:imgLayer>
+                </a14:imgProps>
+              </a:ext>
+            </a:extLst>
+          </a:blip>
+          <a:stretch>
+            <a:fillRect/>
+          </a:stretch>
+        </p:blipFill>
+        <p:spPr>
+          <a:xfrm>
+            <a:off x="1964372" y="2607231"/>
+            <a:ext cx="2011680" cy="2011680"/>
+          </a:xfrm>
+          <a:prstGeom prst="rect">
+            <a:avLst/>
+          </a:prstGeom>
+        </p:spPr>
+      </p:pic>
+      <p:pic>
+        <p:nvPicPr>
+          <p:cNvPr id="14" name="Picture 13" descr="A picture containing text, clipart&#10;&#10;Description automatically generated">
+            <a:extLst>
+              <a:ext uri="{FF2B5EF4-FFF2-40B4-BE49-F238E27FC236}">
+                <a16:creationId xmlns:a16="http://schemas.microsoft.com/office/drawing/2014/main" id="{92FCA2ED-01CE-8843-9118-710DD3503438}"/>
+              </a:ext>
+            </a:extLst>
+          </p:cNvPr>
+          <p:cNvPicPr>
+            <a:picLocks noChangeAspect="1"/>
+          </p:cNvPicPr>
+          <p:nvPr/>
+        </p:nvPicPr>
+        <p:blipFill>
+          <a:blip r:embed="rId8">
+            <a:alphaModFix amt="20000"/>
+            <a:extLst>
+              <a:ext uri="{BEBA8EAE-BF5A-486C-A8C5-ECC9F3942E4B}">
+                <a14:imgProps xmlns:a14="http://schemas.microsoft.com/office/drawing/2010/main">
+                  <a14:imgLayer r:embed="rId9">
+                    <a14:imgEffect>
+                      <a14:artisticGlowEdges/>
+                    </a14:imgEffect>
+                    <a14:imgEffect>
+                      <a14:colorTemperature colorTemp="11200"/>
+                    </a14:imgEffect>
+                    <a14:imgEffect>
+                      <a14:saturation sat="400000"/>
+                    </a14:imgEffect>
+                  </a14:imgLayer>
+                </a14:imgProps>
+              </a:ext>
+            </a:extLst>
+          </a:blip>
+          <a:stretch>
+            <a:fillRect/>
+          </a:stretch>
+        </p:blipFill>
+        <p:spPr>
+          <a:xfrm>
+            <a:off x="1953952" y="2604319"/>
+            <a:ext cx="2011680" cy="2011680"/>
+          </a:xfrm>
+          <a:prstGeom prst="rect">
+            <a:avLst/>
+          </a:prstGeom>
+        </p:spPr>
+      </p:pic>
+      <p:pic>
+        <p:nvPicPr>
+          <p:cNvPr id="18" name="Picture 17" descr="Icon&#10;&#10;Description automatically generated">
+            <a:extLst>
+              <a:ext uri="{FF2B5EF4-FFF2-40B4-BE49-F238E27FC236}">
+                <a16:creationId xmlns:a16="http://schemas.microsoft.com/office/drawing/2014/main" id="{D452D84E-1A65-3C44-910D-5B37FA92DC0E}"/>
+              </a:ext>
+            </a:extLst>
+          </p:cNvPr>
+          <p:cNvPicPr>
+            <a:picLocks noChangeAspect="1"/>
+          </p:cNvPicPr>
+          <p:nvPr/>
+        </p:nvPicPr>
+        <p:blipFill>
+          <a:blip r:embed="rId10">
+            <a:alphaModFix amt="35000"/>
+            <a:extLst>
+              <a:ext uri="{BEBA8EAE-BF5A-486C-A8C5-ECC9F3942E4B}">
+                <a14:imgProps xmlns:a14="http://schemas.microsoft.com/office/drawing/2010/main">
+                  <a14:imgLayer r:embed="rId11">
+                    <a14:imgEffect>
+                      <a14:artisticBlur/>
+                    </a14:imgEffect>
+                    <a14:imgEffect>
+                      <a14:colorTemperature colorTemp="11200"/>
+                    </a14:imgEffect>
+                    <a14:imgEffect>
+                      <a14:saturation sat="400000"/>
+                    </a14:imgEffect>
+                  </a14:imgLayer>
+                </a14:imgProps>
+              </a:ext>
+            </a:extLst>
+          </a:blip>
+          <a:stretch>
+            <a:fillRect/>
+          </a:stretch>
+        </p:blipFill>
+        <p:spPr>
+          <a:xfrm>
+            <a:off x="7537845" y="3882493"/>
+            <a:ext cx="2011680" cy="2011680"/>
+          </a:xfrm>
+          <a:prstGeom prst="rect">
+            <a:avLst/>
+          </a:prstGeom>
+        </p:spPr>
+      </p:pic>
+      <p:pic>
+        <p:nvPicPr>
+          <p:cNvPr id="17" name="Picture 16" descr="Icon&#10;&#10;Description automatically generated">
+            <a:extLst>
+              <a:ext uri="{FF2B5EF4-FFF2-40B4-BE49-F238E27FC236}">
+                <a16:creationId xmlns:a16="http://schemas.microsoft.com/office/drawing/2014/main" id="{8DE68B0F-1E69-BA4F-8141-99AE9EF7A145}"/>
+              </a:ext>
+            </a:extLst>
+          </p:cNvPr>
+          <p:cNvPicPr>
+            <a:picLocks noChangeAspect="1"/>
+          </p:cNvPicPr>
+          <p:nvPr/>
+        </p:nvPicPr>
+        <p:blipFill>
+          <a:blip r:embed="rId10">
+            <a:alphaModFix amt="50000"/>
+            <a:extLst>
+              <a:ext uri="{BEBA8EAE-BF5A-486C-A8C5-ECC9F3942E4B}">
+                <a14:imgProps xmlns:a14="http://schemas.microsoft.com/office/drawing/2010/main">
+                  <a14:imgLayer r:embed="rId12">
+                    <a14:imgEffect>
+                      <a14:artisticBlur/>
+                    </a14:imgEffect>
+                    <a14:imgEffect>
+                      <a14:colorTemperature colorTemp="11200"/>
+                    </a14:imgEffect>
+                    <a14:imgEffect>
+                      <a14:saturation sat="400000"/>
+                    </a14:imgEffect>
+                  </a14:imgLayer>
+                </a14:imgProps>
+              </a:ext>
+            </a:extLst>
+          </a:blip>
+          <a:stretch>
+            <a:fillRect/>
+          </a:stretch>
+        </p:blipFill>
+        <p:spPr>
+          <a:xfrm>
+            <a:off x="7768167" y="3453384"/>
+            <a:ext cx="2011680" cy="2011680"/>
+          </a:xfrm>
+          <a:prstGeom prst="rect">
+            <a:avLst/>
+          </a:prstGeom>
+        </p:spPr>
+      </p:pic>
+      <p:pic>
+        <p:nvPicPr>
+          <p:cNvPr id="16" name="Picture 15" descr="Icon&#10;&#10;Description automatically generated">
+            <a:extLst>
+              <a:ext uri="{FF2B5EF4-FFF2-40B4-BE49-F238E27FC236}">
+                <a16:creationId xmlns:a16="http://schemas.microsoft.com/office/drawing/2014/main" id="{D87FB22D-DBA2-2646-A420-215C2A764EA3}"/>
+              </a:ext>
+            </a:extLst>
+          </p:cNvPr>
+          <p:cNvPicPr>
+            <a:picLocks noChangeAspect="1"/>
+          </p:cNvPicPr>
+          <p:nvPr/>
+        </p:nvPicPr>
+        <p:blipFill>
+          <a:blip r:embed="rId10">
+            <a:alphaModFix amt="70000"/>
+            <a:extLst>
+              <a:ext uri="{BEBA8EAE-BF5A-486C-A8C5-ECC9F3942E4B}">
+                <a14:imgProps xmlns:a14="http://schemas.microsoft.com/office/drawing/2010/main">
+                  <a14:imgLayer r:embed="rId13">
+                    <a14:imgEffect>
+                      <a14:artisticBlur/>
+                    </a14:imgEffect>
+                    <a14:imgEffect>
+                      <a14:colorTemperature colorTemp="11200"/>
+                    </a14:imgEffect>
+                    <a14:imgEffect>
+                      <a14:saturation sat="400000"/>
+                    </a14:imgEffect>
+                  </a14:imgLayer>
+                </a14:imgProps>
+              </a:ext>
+            </a:extLst>
+          </a:blip>
+          <a:stretch>
+            <a:fillRect/>
+          </a:stretch>
+        </p:blipFill>
+        <p:spPr>
+          <a:xfrm>
+            <a:off x="7998489" y="3024275"/>
+            <a:ext cx="2011680" cy="2011680"/>
+          </a:xfrm>
+          <a:prstGeom prst="rect">
+            <a:avLst/>
+          </a:prstGeom>
+        </p:spPr>
+      </p:pic>
+      <p:pic>
+        <p:nvPicPr>
+          <p:cNvPr id="7" name="Picture 6" descr="Icon&#10;&#10;Description automatically generated">
+            <a:extLst>
+              <a:ext uri="{FF2B5EF4-FFF2-40B4-BE49-F238E27FC236}">
+                <a16:creationId xmlns:a16="http://schemas.microsoft.com/office/drawing/2014/main" id="{8BFB440D-A42A-0B48-A944-8A8235D8689E}"/>
+              </a:ext>
+            </a:extLst>
+          </p:cNvPr>
+          <p:cNvPicPr>
+            <a:picLocks noChangeAspect="1"/>
+          </p:cNvPicPr>
+          <p:nvPr/>
+        </p:nvPicPr>
+        <p:blipFill>
+          <a:blip r:embed="rId10">
+            <a:alphaModFix amt="70000"/>
+            <a:extLst>
+              <a:ext uri="{BEBA8EAE-BF5A-486C-A8C5-ECC9F3942E4B}">
+                <a14:imgProps xmlns:a14="http://schemas.microsoft.com/office/drawing/2010/main">
+                  <a14:imgLayer r:embed="rId14">
+                    <a14:imgEffect>
+                      <a14:artisticBlur/>
+                    </a14:imgEffect>
+                    <a14:imgEffect>
+                      <a14:colorTemperature colorTemp="11200"/>
+                    </a14:imgEffect>
+                    <a14:imgEffect>
+                      <a14:saturation sat="400000"/>
+                    </a14:imgEffect>
+                  </a14:imgLayer>
+                </a14:imgProps>
+              </a:ext>
+            </a:extLst>
+          </a:blip>
+          <a:stretch>
+            <a:fillRect/>
+          </a:stretch>
+        </p:blipFill>
+        <p:spPr>
+          <a:xfrm>
+            <a:off x="8228811" y="2595166"/>
+            <a:ext cx="2011680" cy="2011680"/>
+          </a:xfrm>
+          <a:prstGeom prst="rect">
+            <a:avLst/>
+          </a:prstGeom>
+        </p:spPr>
+      </p:pic>
+      <p:pic>
+        <p:nvPicPr>
+          <p:cNvPr id="19" name="Picture 18" descr="Icon&#10;&#10;Description automatically generated">
+            <a:extLst>
+              <a:ext uri="{FF2B5EF4-FFF2-40B4-BE49-F238E27FC236}">
+                <a16:creationId xmlns:a16="http://schemas.microsoft.com/office/drawing/2014/main" id="{8D1496AC-C705-0848-AB02-8C158915D50A}"/>
+              </a:ext>
+            </a:extLst>
+          </p:cNvPr>
+          <p:cNvPicPr>
+            <a:picLocks noChangeAspect="1"/>
+          </p:cNvPicPr>
+          <p:nvPr/>
+        </p:nvPicPr>
+        <p:blipFill>
+          <a:blip r:embed="rId15">
+            <a:alphaModFix amt="20000"/>
+            <a:extLst>
+              <a:ext uri="{BEBA8EAE-BF5A-486C-A8C5-ECC9F3942E4B}">
+                <a14:imgProps xmlns:a14="http://schemas.microsoft.com/office/drawing/2010/main">
+                  <a14:imgLayer r:embed="rId14">
+                    <a14:imgEffect>
+                      <a14:artisticGlowEdges/>
+                    </a14:imgEffect>
+                    <a14:imgEffect>
+                      <a14:colorTemperature colorTemp="11200"/>
+                    </a14:imgEffect>
+                    <a14:imgEffect>
+                      <a14:saturation sat="400000"/>
+                    </a14:imgEffect>
+                  </a14:imgLayer>
+                </a14:imgProps>
+              </a:ext>
+            </a:extLst>
+          </a:blip>
+          <a:stretch>
+            <a:fillRect/>
+          </a:stretch>
+        </p:blipFill>
+        <p:spPr>
+          <a:xfrm>
+            <a:off x="8226370" y="2595193"/>
+            <a:ext cx="2011680" cy="2011680"/>
+          </a:xfrm>
+          <a:prstGeom prst="rect">
+            <a:avLst/>
+          </a:prstGeom>
+        </p:spPr>
+      </p:pic>
+    </p:spTree>
+    <p:extLst>
+      <p:ext uri="{BB962C8B-B14F-4D97-AF65-F5344CB8AC3E}">
+        <p14:creationId xmlns:p14="http://schemas.microsoft.com/office/powerpoint/2010/main" val="281563526"/>
+      </p:ext>
+    </p:extLst>
+  </p:cSld>
+  <p:clrMapOvr>
+    <a:masterClrMapping/>
+  </p:clrMapOvr>
+</p:sld>
+</file>
+
+<file path=ppt/slides/slide4.xml><?xml version="1.0" encoding="utf-8"?>
+<p:sld xmlns:a="http://schemas.openxmlformats.org/drawingml/2006/main" xmlns:r="http://schemas.openxmlformats.org/officeDocument/2006/relationships" xmlns:p="http://schemas.openxmlformats.org/presentationml/2006/main">
+  <p:cSld>
+    <p:spTree>
+      <p:nvGrpSpPr>
+        <p:cNvPr id="1" name=""/>
+        <p:cNvGrpSpPr/>
+        <p:nvPr/>
+      </p:nvGrpSpPr>
+      <p:grpSpPr>
+        <a:xfrm>
+          <a:off x="0" y="0"/>
+          <a:ext cx="0" cy="0"/>
+          <a:chOff x="0" y="0"/>
+          <a:chExt cx="0" cy="0"/>
+        </a:xfrm>
+      </p:grpSpPr>
       <p:sp>
         <p:nvSpPr>
           <p:cNvPr id="4" name="Rectangle 3">
@@ -5167,7 +5718,7 @@
 </p:sld>
 </file>
 
-<file path=ppt/slides/slide4.xml><?xml version="1.0" encoding="utf-8"?>
+<file path=ppt/slides/slide5.xml><?xml version="1.0" encoding="utf-8"?>
 <p:sld xmlns:a="http://schemas.openxmlformats.org/drawingml/2006/main" xmlns:r="http://schemas.openxmlformats.org/officeDocument/2006/relationships" xmlns:p="http://schemas.openxmlformats.org/presentationml/2006/main">
   <p:cSld>
     <p:spTree>
@@ -5514,7 +6065,7 @@
 </p:sld>
 </file>
 
-<file path=ppt/slides/slide5.xml><?xml version="1.0" encoding="utf-8"?>
+<file path=ppt/slides/slide6.xml><?xml version="1.0" encoding="utf-8"?>
 <p:sld xmlns:a="http://schemas.openxmlformats.org/drawingml/2006/main" xmlns:r="http://schemas.openxmlformats.org/officeDocument/2006/relationships" xmlns:p="http://schemas.openxmlformats.org/presentationml/2006/main">
   <p:cSld>
     <p:spTree>
